--- a/2025/2025-01-17-AI-Updates.pptx
+++ b/2025/2025-01-17-AI-Updates.pptx
@@ -962,7 +962,7 @@
   <p:cSld>
     <p:spTree>
       <p:nvGrpSpPr>
-        <p:cNvPr id="1" name="Shape 152"/>
+        <p:cNvPr id="1" name="Shape 153"/>
         <p:cNvGrpSpPr/>
         <p:nvPr/>
       </p:nvGrpSpPr>
@@ -976,7 +976,7 @@
       </p:grpSpPr>
       <p:sp>
         <p:nvSpPr>
-          <p:cNvPr id="153" name="Google Shape;153;g2f03ac7ac9f_0_5:notes"/>
+          <p:cNvPr id="154" name="Google Shape;154;g2f03ac7ac9f_0_5:notes"/>
           <p:cNvSpPr>
             <a:spLocks noGrp="1" noRot="1" noChangeAspect="1"/>
           </p:cNvSpPr>
@@ -1027,7 +1027,7 @@
       </p:sp>
       <p:sp>
         <p:nvSpPr>
-          <p:cNvPr id="154" name="Google Shape;154;g2f03ac7ac9f_0_5:notes"/>
+          <p:cNvPr id="155" name="Google Shape;155;g2f03ac7ac9f_0_5:notes"/>
           <p:cNvSpPr txBox="1">
             <a:spLocks noGrp="1"/>
           </p:cNvSpPr>
@@ -1084,7 +1084,7 @@
   <p:cSld>
     <p:spTree>
       <p:nvGrpSpPr>
-        <p:cNvPr id="1" name="Shape 207"/>
+        <p:cNvPr id="1" name="Shape 208"/>
         <p:cNvGrpSpPr/>
         <p:nvPr/>
       </p:nvGrpSpPr>
@@ -1098,7 +1098,7 @@
       </p:grpSpPr>
       <p:sp>
         <p:nvSpPr>
-          <p:cNvPr id="208" name="Google Shape;208;g2d75751d1d0_2_9:notes"/>
+          <p:cNvPr id="209" name="Google Shape;209;g2d75751d1d0_2_9:notes"/>
           <p:cNvSpPr>
             <a:spLocks noGrp="1" noRot="1" noChangeAspect="1"/>
           </p:cNvSpPr>
@@ -1149,7 +1149,7 @@
       </p:sp>
       <p:sp>
         <p:nvSpPr>
-          <p:cNvPr id="209" name="Google Shape;209;g2d75751d1d0_2_9:notes"/>
+          <p:cNvPr id="210" name="Google Shape;210;g2d75751d1d0_2_9:notes"/>
           <p:cNvSpPr txBox="1">
             <a:spLocks noGrp="1"/>
           </p:cNvSpPr>
@@ -1206,7 +1206,7 @@
   <p:cSld>
     <p:spTree>
       <p:nvGrpSpPr>
-        <p:cNvPr id="1" name="Shape 214"/>
+        <p:cNvPr id="1" name="Shape 215"/>
         <p:cNvGrpSpPr/>
         <p:nvPr/>
       </p:nvGrpSpPr>
@@ -1220,7 +1220,7 @@
       </p:grpSpPr>
       <p:sp>
         <p:nvSpPr>
-          <p:cNvPr id="215" name="Google Shape;215;p22:notes"/>
+          <p:cNvPr id="216" name="Google Shape;216;p22:notes"/>
           <p:cNvSpPr>
             <a:spLocks noGrp="1" noRot="1" noChangeAspect="1"/>
           </p:cNvSpPr>
@@ -1271,7 +1271,7 @@
       </p:sp>
       <p:sp>
         <p:nvSpPr>
-          <p:cNvPr id="216" name="Google Shape;216;p22:notes"/>
+          <p:cNvPr id="217" name="Google Shape;217;p22:notes"/>
           <p:cNvSpPr txBox="1">
             <a:spLocks noGrp="1"/>
           </p:cNvSpPr>
@@ -1328,7 +1328,7 @@
   <p:cSld>
     <p:spTree>
       <p:nvGrpSpPr>
-        <p:cNvPr id="1" name="Shape 224"/>
+        <p:cNvPr id="1" name="Shape 225"/>
         <p:cNvGrpSpPr/>
         <p:nvPr/>
       </p:nvGrpSpPr>
@@ -1342,7 +1342,7 @@
       </p:grpSpPr>
       <p:sp>
         <p:nvSpPr>
-          <p:cNvPr id="225" name="Google Shape;225;p23:notes"/>
+          <p:cNvPr id="226" name="Google Shape;226;p23:notes"/>
           <p:cNvSpPr>
             <a:spLocks noGrp="1" noRot="1" noChangeAspect="1"/>
           </p:cNvSpPr>
@@ -1393,7 +1393,7 @@
       </p:sp>
       <p:sp>
         <p:nvSpPr>
-          <p:cNvPr id="226" name="Google Shape;226;p23:notes"/>
+          <p:cNvPr id="227" name="Google Shape;227;p23:notes"/>
           <p:cNvSpPr txBox="1">
             <a:spLocks noGrp="1"/>
           </p:cNvSpPr>
@@ -2304,7 +2304,7 @@
   <p:cSld>
     <p:spTree>
       <p:nvGrpSpPr>
-        <p:cNvPr id="1" name="Shape 143"/>
+        <p:cNvPr id="1" name="Shape 144"/>
         <p:cNvGrpSpPr/>
         <p:nvPr/>
       </p:nvGrpSpPr>
@@ -2318,7 +2318,7 @@
       </p:grpSpPr>
       <p:sp>
         <p:nvSpPr>
-          <p:cNvPr id="144" name="Google Shape;144;g2d7aec7aa3a_0_0:notes"/>
+          <p:cNvPr id="145" name="Google Shape;145;g2d7aec7aa3a_0_0:notes"/>
           <p:cNvSpPr>
             <a:spLocks noGrp="1" noRot="1" noChangeAspect="1"/>
           </p:cNvSpPr>
@@ -2369,7 +2369,7 @@
       </p:sp>
       <p:sp>
         <p:nvSpPr>
-          <p:cNvPr id="145" name="Google Shape;145;g2d7aec7aa3a_0_0:notes"/>
+          <p:cNvPr id="146" name="Google Shape;146;g2d7aec7aa3a_0_0:notes"/>
           <p:cNvSpPr txBox="1">
             <a:spLocks noGrp="1"/>
           </p:cNvSpPr>
@@ -11692,7 +11692,7 @@
         </p:nvSpPr>
         <p:spPr>
           <a:xfrm>
-            <a:off x="110352" y="1190821"/>
+            <a:off x="110352" y="1114621"/>
             <a:ext cx="4420200" cy="3879000"/>
           </a:xfrm>
           <a:prstGeom prst="rect">
@@ -12279,7 +12279,7 @@
         </p:nvSpPr>
         <p:spPr>
           <a:xfrm>
-            <a:off x="2838900" y="143675"/>
+            <a:off x="2838900" y="124339"/>
             <a:ext cx="2775000" cy="880500"/>
           </a:xfrm>
           <a:prstGeom prst="rect">
@@ -12397,8 +12397,8 @@
         </p:nvSpPr>
         <p:spPr>
           <a:xfrm>
-            <a:off x="4620152" y="1190821"/>
-            <a:ext cx="4420200" cy="3386400"/>
+            <a:off x="4620152" y="1114621"/>
+            <a:ext cx="4420200" cy="3632700"/>
           </a:xfrm>
           <a:prstGeom prst="rect">
             <a:avLst/>
@@ -12741,6 +12741,43 @@
                 <a:sym typeface="Calibri"/>
               </a:rPr>
               <a:t>2025 - Year of Agents</a:t>
+            </a:r>
+            <a:endParaRPr sz="1600" b="1">
+              <a:solidFill>
+                <a:srgbClr val="3C78D8"/>
+              </a:solidFill>
+              <a:latin typeface="Calibri"/>
+              <a:ea typeface="Calibri"/>
+              <a:cs typeface="Calibri"/>
+              <a:sym typeface="Calibri"/>
+            </a:endParaRPr>
+          </a:p>
+          <a:p>
+            <a:pPr marL="228600" lvl="0" indent="-215900" algn="l" rtl="0">
+              <a:spcBef>
+                <a:spcPts val="0"/>
+              </a:spcBef>
+              <a:spcAft>
+                <a:spcPts val="0"/>
+              </a:spcAft>
+              <a:buClr>
+                <a:srgbClr val="3C78D8"/>
+              </a:buClr>
+              <a:buSzPts val="1600"/>
+              <a:buFont typeface="Calibri"/>
+              <a:buChar char="●"/>
+            </a:pPr>
+            <a:r>
+              <a:rPr lang="en" sz="1600" b="1">
+                <a:solidFill>
+                  <a:srgbClr val="3C78D8"/>
+                </a:solidFill>
+                <a:latin typeface="Calibri"/>
+                <a:ea typeface="Calibri"/>
+                <a:cs typeface="Calibri"/>
+                <a:sym typeface="Calibri"/>
+              </a:rPr>
+              <a:t>Google Workspace now includes AI features</a:t>
             </a:r>
             <a:endParaRPr sz="1600" b="1">
               <a:solidFill>
@@ -12981,7 +13018,7 @@
   <p:cSld>
     <p:spTree>
       <p:nvGrpSpPr>
-        <p:cNvPr id="1" name="Shape 155"/>
+        <p:cNvPr id="1" name="Shape 156"/>
         <p:cNvGrpSpPr/>
         <p:nvPr/>
       </p:nvGrpSpPr>
@@ -12995,7 +13032,7 @@
       </p:grpSpPr>
       <p:sp>
         <p:nvSpPr>
-          <p:cNvPr id="156" name="Google Shape;156;p24"/>
+          <p:cNvPr id="157" name="Google Shape;157;p24"/>
           <p:cNvSpPr txBox="1"/>
           <p:nvPr/>
         </p:nvSpPr>
@@ -13162,7 +13199,7 @@
       </p:sp>
       <p:sp>
         <p:nvSpPr>
-          <p:cNvPr id="157" name="Google Shape;157;p24"/>
+          <p:cNvPr id="158" name="Google Shape;158;p24"/>
           <p:cNvSpPr txBox="1"/>
           <p:nvPr/>
         </p:nvSpPr>
@@ -13228,7 +13265,7 @@
       </p:sp>
       <p:sp>
         <p:nvSpPr>
-          <p:cNvPr id="158" name="Google Shape;158;p24"/>
+          <p:cNvPr id="159" name="Google Shape;159;p24"/>
           <p:cNvSpPr txBox="1"/>
           <p:nvPr/>
         </p:nvSpPr>
@@ -13319,7 +13356,7 @@
       </p:sp>
       <p:sp>
         <p:nvSpPr>
-          <p:cNvPr id="159" name="Google Shape;159;p24"/>
+          <p:cNvPr id="160" name="Google Shape;160;p24"/>
           <p:cNvSpPr txBox="1"/>
           <p:nvPr/>
         </p:nvSpPr>
@@ -13393,7 +13430,7 @@
       </p:sp>
       <p:sp>
         <p:nvSpPr>
-          <p:cNvPr id="160" name="Google Shape;160;p24"/>
+          <p:cNvPr id="161" name="Google Shape;161;p24"/>
           <p:cNvSpPr txBox="1"/>
           <p:nvPr/>
         </p:nvSpPr>
@@ -13554,7 +13591,7 @@
       </p:sp>
       <p:sp>
         <p:nvSpPr>
-          <p:cNvPr id="161" name="Google Shape;161;p24"/>
+          <p:cNvPr id="162" name="Google Shape;162;p24"/>
           <p:cNvSpPr txBox="1"/>
           <p:nvPr/>
         </p:nvSpPr>
@@ -13628,7 +13665,7 @@
       </p:sp>
       <p:sp>
         <p:nvSpPr>
-          <p:cNvPr id="162" name="Google Shape;162;p24"/>
+          <p:cNvPr id="163" name="Google Shape;163;p24"/>
           <p:cNvSpPr txBox="1"/>
           <p:nvPr/>
         </p:nvSpPr>
@@ -13699,7 +13736,7 @@
       </p:sp>
       <p:sp>
         <p:nvSpPr>
-          <p:cNvPr id="163" name="Google Shape;163;p24"/>
+          <p:cNvPr id="164" name="Google Shape;164;p24"/>
           <p:cNvSpPr txBox="1"/>
           <p:nvPr/>
         </p:nvSpPr>
@@ -13774,7 +13811,7 @@
       </p:sp>
       <p:sp>
         <p:nvSpPr>
-          <p:cNvPr id="164" name="Google Shape;164;p24"/>
+          <p:cNvPr id="165" name="Google Shape;165;p24"/>
           <p:cNvSpPr/>
           <p:nvPr/>
         </p:nvSpPr>
@@ -13820,7 +13857,7 @@
       </p:sp>
       <p:sp>
         <p:nvSpPr>
-          <p:cNvPr id="165" name="Google Shape;165;p24"/>
+          <p:cNvPr id="166" name="Google Shape;166;p24"/>
           <p:cNvSpPr/>
           <p:nvPr/>
         </p:nvSpPr>
@@ -13866,7 +13903,7 @@
       </p:sp>
       <p:sp>
         <p:nvSpPr>
-          <p:cNvPr id="166" name="Google Shape;166;p24"/>
+          <p:cNvPr id="167" name="Google Shape;167;p24"/>
           <p:cNvSpPr/>
           <p:nvPr/>
         </p:nvSpPr>
@@ -13912,7 +13949,7 @@
       </p:sp>
       <p:sp>
         <p:nvSpPr>
-          <p:cNvPr id="167" name="Google Shape;167;p24"/>
+          <p:cNvPr id="168" name="Google Shape;168;p24"/>
           <p:cNvSpPr/>
           <p:nvPr/>
         </p:nvSpPr>
@@ -13958,7 +13995,7 @@
       </p:sp>
       <p:sp>
         <p:nvSpPr>
-          <p:cNvPr id="168" name="Google Shape;168;p24"/>
+          <p:cNvPr id="169" name="Google Shape;169;p24"/>
           <p:cNvSpPr/>
           <p:nvPr/>
         </p:nvSpPr>
@@ -14004,7 +14041,7 @@
       </p:sp>
       <p:sp>
         <p:nvSpPr>
-          <p:cNvPr id="169" name="Google Shape;169;p24"/>
+          <p:cNvPr id="170" name="Google Shape;170;p24"/>
           <p:cNvSpPr/>
           <p:nvPr/>
         </p:nvSpPr>
@@ -14050,7 +14087,7 @@
       </p:sp>
       <p:sp>
         <p:nvSpPr>
-          <p:cNvPr id="170" name="Google Shape;170;p24"/>
+          <p:cNvPr id="171" name="Google Shape;171;p24"/>
           <p:cNvSpPr txBox="1"/>
           <p:nvPr/>
         </p:nvSpPr>
@@ -14125,7 +14162,7 @@
       </p:sp>
       <p:sp>
         <p:nvSpPr>
-          <p:cNvPr id="171" name="Google Shape;171;p24"/>
+          <p:cNvPr id="172" name="Google Shape;172;p24"/>
           <p:cNvSpPr/>
           <p:nvPr/>
         </p:nvSpPr>
@@ -14171,7 +14208,7 @@
       </p:sp>
       <p:sp>
         <p:nvSpPr>
-          <p:cNvPr id="172" name="Google Shape;172;p24"/>
+          <p:cNvPr id="173" name="Google Shape;173;p24"/>
           <p:cNvSpPr/>
           <p:nvPr/>
         </p:nvSpPr>
@@ -14217,7 +14254,7 @@
       </p:sp>
       <p:sp>
         <p:nvSpPr>
-          <p:cNvPr id="173" name="Google Shape;173;p24"/>
+          <p:cNvPr id="174" name="Google Shape;174;p24"/>
           <p:cNvSpPr/>
           <p:nvPr/>
         </p:nvSpPr>
@@ -14263,7 +14300,7 @@
       </p:sp>
       <p:sp>
         <p:nvSpPr>
-          <p:cNvPr id="174" name="Google Shape;174;p24"/>
+          <p:cNvPr id="175" name="Google Shape;175;p24"/>
           <p:cNvSpPr/>
           <p:nvPr/>
         </p:nvSpPr>
@@ -14309,7 +14346,7 @@
       </p:sp>
       <p:sp>
         <p:nvSpPr>
-          <p:cNvPr id="175" name="Google Shape;175;p24"/>
+          <p:cNvPr id="176" name="Google Shape;176;p24"/>
           <p:cNvSpPr/>
           <p:nvPr/>
         </p:nvSpPr>
@@ -14355,7 +14392,7 @@
       </p:sp>
       <p:sp>
         <p:nvSpPr>
-          <p:cNvPr id="176" name="Google Shape;176;p24"/>
+          <p:cNvPr id="177" name="Google Shape;177;p24"/>
           <p:cNvSpPr/>
           <p:nvPr/>
         </p:nvSpPr>
@@ -14401,7 +14438,7 @@
       </p:sp>
       <p:sp>
         <p:nvSpPr>
-          <p:cNvPr id="177" name="Google Shape;177;p24"/>
+          <p:cNvPr id="178" name="Google Shape;178;p24"/>
           <p:cNvSpPr/>
           <p:nvPr/>
         </p:nvSpPr>
@@ -14447,7 +14484,7 @@
       </p:sp>
       <p:sp>
         <p:nvSpPr>
-          <p:cNvPr id="178" name="Google Shape;178;p24"/>
+          <p:cNvPr id="179" name="Google Shape;179;p24"/>
           <p:cNvSpPr/>
           <p:nvPr/>
         </p:nvSpPr>
@@ -14493,7 +14530,7 @@
       </p:sp>
       <p:sp>
         <p:nvSpPr>
-          <p:cNvPr id="179" name="Google Shape;179;p24"/>
+          <p:cNvPr id="180" name="Google Shape;180;p24"/>
           <p:cNvSpPr/>
           <p:nvPr/>
         </p:nvSpPr>
@@ -14539,7 +14576,7 @@
       </p:sp>
       <p:sp>
         <p:nvSpPr>
-          <p:cNvPr id="180" name="Google Shape;180;p24"/>
+          <p:cNvPr id="181" name="Google Shape;181;p24"/>
           <p:cNvSpPr/>
           <p:nvPr/>
         </p:nvSpPr>
@@ -14585,7 +14622,7 @@
       </p:sp>
       <p:sp>
         <p:nvSpPr>
-          <p:cNvPr id="181" name="Google Shape;181;p24"/>
+          <p:cNvPr id="182" name="Google Shape;182;p24"/>
           <p:cNvSpPr/>
           <p:nvPr/>
         </p:nvSpPr>
@@ -14631,7 +14668,7 @@
       </p:sp>
       <p:sp>
         <p:nvSpPr>
-          <p:cNvPr id="182" name="Google Shape;182;p24"/>
+          <p:cNvPr id="183" name="Google Shape;183;p24"/>
           <p:cNvSpPr txBox="1"/>
           <p:nvPr/>
         </p:nvSpPr>
@@ -14706,7 +14743,7 @@
       </p:sp>
       <p:sp>
         <p:nvSpPr>
-          <p:cNvPr id="183" name="Google Shape;183;p24"/>
+          <p:cNvPr id="184" name="Google Shape;184;p24"/>
           <p:cNvSpPr/>
           <p:nvPr/>
         </p:nvSpPr>
@@ -14752,7 +14789,7 @@
       </p:sp>
       <p:sp>
         <p:nvSpPr>
-          <p:cNvPr id="184" name="Google Shape;184;p24"/>
+          <p:cNvPr id="185" name="Google Shape;185;p24"/>
           <p:cNvSpPr txBox="1"/>
           <p:nvPr/>
         </p:nvSpPr>
@@ -14827,7 +14864,7 @@
       </p:sp>
       <p:sp>
         <p:nvSpPr>
-          <p:cNvPr id="185" name="Google Shape;185;p24"/>
+          <p:cNvPr id="186" name="Google Shape;186;p24"/>
           <p:cNvSpPr txBox="1"/>
           <p:nvPr/>
         </p:nvSpPr>
@@ -14902,7 +14939,7 @@
       </p:sp>
       <p:sp>
         <p:nvSpPr>
-          <p:cNvPr id="186" name="Google Shape;186;p24"/>
+          <p:cNvPr id="187" name="Google Shape;187;p24"/>
           <p:cNvSpPr txBox="1"/>
           <p:nvPr/>
         </p:nvSpPr>
@@ -14977,7 +15014,7 @@
       </p:sp>
       <p:sp>
         <p:nvSpPr>
-          <p:cNvPr id="187" name="Google Shape;187;p24"/>
+          <p:cNvPr id="188" name="Google Shape;188;p24"/>
           <p:cNvSpPr txBox="1"/>
           <p:nvPr/>
         </p:nvSpPr>
@@ -15052,7 +15089,7 @@
       </p:sp>
       <p:sp>
         <p:nvSpPr>
-          <p:cNvPr id="188" name="Google Shape;188;p24"/>
+          <p:cNvPr id="189" name="Google Shape;189;p24"/>
           <p:cNvSpPr/>
           <p:nvPr/>
         </p:nvSpPr>
@@ -15098,7 +15135,7 @@
       </p:sp>
       <p:sp>
         <p:nvSpPr>
-          <p:cNvPr id="189" name="Google Shape;189;p24"/>
+          <p:cNvPr id="190" name="Google Shape;190;p24"/>
           <p:cNvSpPr/>
           <p:nvPr/>
         </p:nvSpPr>
@@ -15144,7 +15181,7 @@
       </p:sp>
       <p:sp>
         <p:nvSpPr>
-          <p:cNvPr id="190" name="Google Shape;190;p24"/>
+          <p:cNvPr id="191" name="Google Shape;191;p24"/>
           <p:cNvSpPr/>
           <p:nvPr/>
         </p:nvSpPr>
@@ -15190,7 +15227,7 @@
       </p:sp>
       <p:sp>
         <p:nvSpPr>
-          <p:cNvPr id="191" name="Google Shape;191;p24"/>
+          <p:cNvPr id="192" name="Google Shape;192;p24"/>
           <p:cNvSpPr/>
           <p:nvPr/>
         </p:nvSpPr>
@@ -15236,7 +15273,7 @@
       </p:sp>
       <p:sp>
         <p:nvSpPr>
-          <p:cNvPr id="192" name="Google Shape;192;p24"/>
+          <p:cNvPr id="193" name="Google Shape;193;p24"/>
           <p:cNvSpPr/>
           <p:nvPr/>
         </p:nvSpPr>
@@ -15282,7 +15319,7 @@
       </p:sp>
       <p:sp>
         <p:nvSpPr>
-          <p:cNvPr id="193" name="Google Shape;193;p24"/>
+          <p:cNvPr id="194" name="Google Shape;194;p24"/>
           <p:cNvSpPr/>
           <p:nvPr/>
         </p:nvSpPr>
@@ -15328,7 +15365,7 @@
       </p:sp>
       <p:sp>
         <p:nvSpPr>
-          <p:cNvPr id="194" name="Google Shape;194;p24"/>
+          <p:cNvPr id="195" name="Google Shape;195;p24"/>
           <p:cNvSpPr/>
           <p:nvPr/>
         </p:nvSpPr>
@@ -15374,7 +15411,7 @@
       </p:sp>
       <p:sp>
         <p:nvSpPr>
-          <p:cNvPr id="195" name="Google Shape;195;p24"/>
+          <p:cNvPr id="196" name="Google Shape;196;p24"/>
           <p:cNvSpPr/>
           <p:nvPr/>
         </p:nvSpPr>
@@ -15420,7 +15457,7 @@
       </p:sp>
       <p:sp>
         <p:nvSpPr>
-          <p:cNvPr id="196" name="Google Shape;196;p24"/>
+          <p:cNvPr id="197" name="Google Shape;197;p24"/>
           <p:cNvSpPr/>
           <p:nvPr/>
         </p:nvSpPr>
@@ -15466,7 +15503,7 @@
       </p:sp>
       <p:sp>
         <p:nvSpPr>
-          <p:cNvPr id="197" name="Google Shape;197;p24"/>
+          <p:cNvPr id="198" name="Google Shape;198;p24"/>
           <p:cNvSpPr/>
           <p:nvPr/>
         </p:nvSpPr>
@@ -15512,7 +15549,7 @@
       </p:sp>
       <p:sp>
         <p:nvSpPr>
-          <p:cNvPr id="198" name="Google Shape;198;p24"/>
+          <p:cNvPr id="199" name="Google Shape;199;p24"/>
           <p:cNvSpPr/>
           <p:nvPr/>
         </p:nvSpPr>
@@ -15558,7 +15595,7 @@
       </p:sp>
       <p:sp>
         <p:nvSpPr>
-          <p:cNvPr id="199" name="Google Shape;199;p24"/>
+          <p:cNvPr id="200" name="Google Shape;200;p24"/>
           <p:cNvSpPr/>
           <p:nvPr/>
         </p:nvSpPr>
@@ -15604,7 +15641,7 @@
       </p:sp>
       <p:pic>
         <p:nvPicPr>
-          <p:cNvPr id="200" name="Google Shape;200;p24"/>
+          <p:cNvPr id="201" name="Google Shape;201;p24"/>
           <p:cNvPicPr preferRelativeResize="0"/>
           <p:nvPr/>
         </p:nvPicPr>
@@ -15643,7 +15680,7 @@
       </p:pic>
       <p:pic>
         <p:nvPicPr>
-          <p:cNvPr id="201" name="Google Shape;201;p24"/>
+          <p:cNvPr id="202" name="Google Shape;202;p24"/>
           <p:cNvPicPr preferRelativeResize="0"/>
           <p:nvPr/>
         </p:nvPicPr>
@@ -15682,7 +15719,7 @@
       </p:pic>
       <p:sp>
         <p:nvSpPr>
-          <p:cNvPr id="202" name="Google Shape;202;p24"/>
+          <p:cNvPr id="203" name="Google Shape;203;p24"/>
           <p:cNvSpPr/>
           <p:nvPr/>
         </p:nvSpPr>
@@ -15728,7 +15765,7 @@
       </p:sp>
       <p:sp>
         <p:nvSpPr>
-          <p:cNvPr id="203" name="Google Shape;203;p24"/>
+          <p:cNvPr id="204" name="Google Shape;204;p24"/>
           <p:cNvSpPr txBox="1"/>
           <p:nvPr/>
         </p:nvSpPr>
@@ -15803,7 +15840,7 @@
       </p:sp>
       <p:sp>
         <p:nvSpPr>
-          <p:cNvPr id="204" name="Google Shape;204;p24"/>
+          <p:cNvPr id="205" name="Google Shape;205;p24"/>
           <p:cNvSpPr/>
           <p:nvPr/>
         </p:nvSpPr>
@@ -15849,7 +15886,7 @@
       </p:sp>
       <p:sp>
         <p:nvSpPr>
-          <p:cNvPr id="205" name="Google Shape;205;p24"/>
+          <p:cNvPr id="206" name="Google Shape;206;p24"/>
           <p:cNvSpPr txBox="1"/>
           <p:nvPr/>
         </p:nvSpPr>
@@ -15924,7 +15961,7 @@
       </p:sp>
       <p:sp>
         <p:nvSpPr>
-          <p:cNvPr id="206" name="Google Shape;206;p24"/>
+          <p:cNvPr id="207" name="Google Shape;207;p24"/>
           <p:cNvSpPr txBox="1"/>
           <p:nvPr/>
         </p:nvSpPr>
@@ -16010,7 +16047,7 @@
   <p:cSld>
     <p:spTree>
       <p:nvGrpSpPr>
-        <p:cNvPr id="1" name="Shape 210"/>
+        <p:cNvPr id="1" name="Shape 211"/>
         <p:cNvGrpSpPr/>
         <p:nvPr/>
       </p:nvGrpSpPr>
@@ -16024,7 +16061,7 @@
       </p:grpSpPr>
       <p:sp>
         <p:nvSpPr>
-          <p:cNvPr id="211" name="Google Shape;211;p25"/>
+          <p:cNvPr id="212" name="Google Shape;212;p25"/>
           <p:cNvSpPr txBox="1"/>
           <p:nvPr/>
         </p:nvSpPr>
@@ -16090,7 +16127,7 @@
       </p:sp>
       <p:sp>
         <p:nvSpPr>
-          <p:cNvPr id="212" name="Google Shape;212;p25"/>
+          <p:cNvPr id="213" name="Google Shape;213;p25"/>
           <p:cNvSpPr txBox="1"/>
           <p:nvPr/>
         </p:nvSpPr>
@@ -16202,7 +16239,7 @@
       </p:sp>
       <p:pic>
         <p:nvPicPr>
-          <p:cNvPr id="213" name="Google Shape;213;p25"/>
+          <p:cNvPr id="214" name="Google Shape;214;p25"/>
           <p:cNvPicPr preferRelativeResize="0"/>
           <p:nvPr/>
         </p:nvPicPr>
@@ -16246,7 +16283,7 @@
   <p:cSld>
     <p:spTree>
       <p:nvGrpSpPr>
-        <p:cNvPr id="1" name="Shape 217"/>
+        <p:cNvPr id="1" name="Shape 218"/>
         <p:cNvGrpSpPr/>
         <p:nvPr/>
       </p:nvGrpSpPr>
@@ -16260,7 +16297,7 @@
       </p:grpSpPr>
       <p:pic>
         <p:nvPicPr>
-          <p:cNvPr id="218" name="Google Shape;218;p26"/>
+          <p:cNvPr id="219" name="Google Shape;219;p26"/>
           <p:cNvPicPr preferRelativeResize="0"/>
           <p:nvPr/>
         </p:nvPicPr>
@@ -16292,7 +16329,7 @@
       </p:pic>
       <p:sp>
         <p:nvSpPr>
-          <p:cNvPr id="219" name="Google Shape;219;p26"/>
+          <p:cNvPr id="220" name="Google Shape;220;p26"/>
           <p:cNvSpPr txBox="1"/>
           <p:nvPr/>
         </p:nvSpPr>
@@ -16358,7 +16395,7 @@
       </p:sp>
       <p:sp>
         <p:nvSpPr>
-          <p:cNvPr id="220" name="Google Shape;220;p26"/>
+          <p:cNvPr id="221" name="Google Shape;221;p26"/>
           <p:cNvSpPr txBox="1"/>
           <p:nvPr/>
         </p:nvSpPr>
@@ -16788,7 +16825,7 @@
       </p:sp>
       <p:pic>
         <p:nvPicPr>
-          <p:cNvPr id="221" name="Google Shape;221;p26"/>
+          <p:cNvPr id="222" name="Google Shape;222;p26"/>
           <p:cNvPicPr preferRelativeResize="0"/>
           <p:nvPr/>
         </p:nvPicPr>
@@ -16820,7 +16857,7 @@
       </p:pic>
       <p:sp>
         <p:nvSpPr>
-          <p:cNvPr id="222" name="Google Shape;222;p26"/>
+          <p:cNvPr id="223" name="Google Shape;223;p26"/>
           <p:cNvSpPr txBox="1"/>
           <p:nvPr/>
         </p:nvSpPr>
@@ -16899,7 +16936,7 @@
       </p:sp>
       <p:sp>
         <p:nvSpPr>
-          <p:cNvPr id="223" name="Google Shape;223;p26"/>
+          <p:cNvPr id="224" name="Google Shape;224;p26"/>
           <p:cNvSpPr txBox="1"/>
           <p:nvPr/>
         </p:nvSpPr>
@@ -16976,7 +17013,7 @@
   <p:cSld>
     <p:spTree>
       <p:nvGrpSpPr>
-        <p:cNvPr id="1" name="Shape 227"/>
+        <p:cNvPr id="1" name="Shape 228"/>
         <p:cNvGrpSpPr/>
         <p:nvPr/>
       </p:nvGrpSpPr>
@@ -16990,7 +17027,7 @@
       </p:grpSpPr>
       <p:sp>
         <p:nvSpPr>
-          <p:cNvPr id="228" name="Google Shape;228;p27"/>
+          <p:cNvPr id="229" name="Google Shape;229;p27"/>
           <p:cNvSpPr txBox="1"/>
           <p:nvPr/>
         </p:nvSpPr>
@@ -20054,7 +20091,7 @@
         <p:spPr>
           <a:xfrm>
             <a:off x="55075" y="1839125"/>
-            <a:ext cx="3196200" cy="2235000"/>
+            <a:ext cx="3196200" cy="2604300"/>
           </a:xfrm>
           <a:prstGeom prst="rect">
             <a:avLst/>
@@ -20118,7 +20155,7 @@
                 <a:spcPts val="0"/>
               </a:spcAft>
               <a:buClr>
-                <a:schemeClr val="dk1"/>
+                <a:srgbClr val="3C78D8"/>
               </a:buClr>
               <a:buSzPts val="1200"/>
               <a:buFont typeface="Calibri"/>
@@ -20127,6 +20164,228 @@
             <a:r>
               <a:rPr lang="en" sz="1200">
                 <a:solidFill>
+                  <a:srgbClr val="3C78D8"/>
+                </a:solidFill>
+                <a:latin typeface="Calibri"/>
+                <a:ea typeface="Calibri"/>
+                <a:cs typeface="Calibri"/>
+                <a:sym typeface="Calibri"/>
+              </a:rPr>
+              <a:t>GPT-2 - 1.5b </a:t>
+            </a:r>
+            <a:endParaRPr sz="1200">
+              <a:solidFill>
+                <a:srgbClr val="3C78D8"/>
+              </a:solidFill>
+              <a:latin typeface="Calibri"/>
+              <a:ea typeface="Calibri"/>
+              <a:cs typeface="Calibri"/>
+              <a:sym typeface="Calibri"/>
+            </a:endParaRPr>
+          </a:p>
+          <a:p>
+            <a:pPr marL="171450" lvl="0" indent="-133350" algn="l" rtl="0">
+              <a:spcBef>
+                <a:spcPts val="0"/>
+              </a:spcBef>
+              <a:spcAft>
+                <a:spcPts val="0"/>
+              </a:spcAft>
+              <a:buClr>
+                <a:srgbClr val="3C78D8"/>
+              </a:buClr>
+              <a:buSzPts val="1200"/>
+              <a:buFont typeface="Calibri"/>
+              <a:buChar char="●"/>
+            </a:pPr>
+            <a:r>
+              <a:rPr lang="en" sz="1200">
+                <a:solidFill>
+                  <a:srgbClr val="3C78D8"/>
+                </a:solidFill>
+                <a:latin typeface="Calibri"/>
+                <a:ea typeface="Calibri"/>
+                <a:cs typeface="Calibri"/>
+                <a:sym typeface="Calibri"/>
+              </a:rPr>
+              <a:t>GPT-3 - 175b</a:t>
+            </a:r>
+            <a:endParaRPr sz="1200">
+              <a:solidFill>
+                <a:srgbClr val="3C78D8"/>
+              </a:solidFill>
+              <a:latin typeface="Calibri"/>
+              <a:ea typeface="Calibri"/>
+              <a:cs typeface="Calibri"/>
+              <a:sym typeface="Calibri"/>
+            </a:endParaRPr>
+          </a:p>
+          <a:p>
+            <a:pPr marL="171450" lvl="0" indent="-133350" algn="l" rtl="0">
+              <a:spcBef>
+                <a:spcPts val="0"/>
+              </a:spcBef>
+              <a:spcAft>
+                <a:spcPts val="0"/>
+              </a:spcAft>
+              <a:buClr>
+                <a:srgbClr val="3C78D8"/>
+              </a:buClr>
+              <a:buSzPts val="1200"/>
+              <a:buFont typeface="Calibri"/>
+              <a:buChar char="●"/>
+            </a:pPr>
+            <a:r>
+              <a:rPr lang="en" sz="1200">
+                <a:solidFill>
+                  <a:srgbClr val="3C78D8"/>
+                </a:solidFill>
+                <a:latin typeface="Calibri"/>
+                <a:ea typeface="Calibri"/>
+                <a:cs typeface="Calibri"/>
+                <a:sym typeface="Calibri"/>
+              </a:rPr>
+              <a:t>GPT-4 - 1,760b</a:t>
+            </a:r>
+            <a:endParaRPr sz="1200">
+              <a:solidFill>
+                <a:srgbClr val="3C78D8"/>
+              </a:solidFill>
+              <a:latin typeface="Calibri"/>
+              <a:ea typeface="Calibri"/>
+              <a:cs typeface="Calibri"/>
+              <a:sym typeface="Calibri"/>
+            </a:endParaRPr>
+          </a:p>
+          <a:p>
+            <a:pPr marL="171450" lvl="0" indent="-133350" algn="l" rtl="0">
+              <a:spcBef>
+                <a:spcPts val="0"/>
+              </a:spcBef>
+              <a:spcAft>
+                <a:spcPts val="0"/>
+              </a:spcAft>
+              <a:buClr>
+                <a:srgbClr val="3C78D8"/>
+              </a:buClr>
+              <a:buSzPts val="1200"/>
+              <a:buFont typeface="Calibri"/>
+              <a:buChar char="●"/>
+            </a:pPr>
+            <a:r>
+              <a:rPr lang="en" sz="1200">
+                <a:solidFill>
+                  <a:srgbClr val="3C78D8"/>
+                </a:solidFill>
+                <a:latin typeface="Calibri"/>
+                <a:ea typeface="Calibri"/>
+                <a:cs typeface="Calibri"/>
+                <a:sym typeface="Calibri"/>
+              </a:rPr>
+              <a:t>GPT-4o - 200b+</a:t>
+            </a:r>
+            <a:endParaRPr sz="1200">
+              <a:solidFill>
+                <a:srgbClr val="3C78D8"/>
+              </a:solidFill>
+              <a:latin typeface="Calibri"/>
+              <a:ea typeface="Calibri"/>
+              <a:cs typeface="Calibri"/>
+              <a:sym typeface="Calibri"/>
+            </a:endParaRPr>
+          </a:p>
+          <a:p>
+            <a:pPr marL="171450" lvl="0" indent="-133350" algn="l" rtl="0">
+              <a:spcBef>
+                <a:spcPts val="0"/>
+              </a:spcBef>
+              <a:spcAft>
+                <a:spcPts val="0"/>
+              </a:spcAft>
+              <a:buClr>
+                <a:srgbClr val="3C78D8"/>
+              </a:buClr>
+              <a:buSzPts val="1200"/>
+              <a:buFont typeface="Calibri"/>
+              <a:buChar char="●"/>
+            </a:pPr>
+            <a:r>
+              <a:rPr lang="en" sz="1200">
+                <a:solidFill>
+                  <a:srgbClr val="3C78D8"/>
+                </a:solidFill>
+                <a:latin typeface="Calibri"/>
+                <a:ea typeface="Calibri"/>
+                <a:cs typeface="Calibri"/>
+                <a:sym typeface="Calibri"/>
+              </a:rPr>
+              <a:t>OpenAI o1-mini    - 100b</a:t>
+            </a:r>
+            <a:endParaRPr sz="1200">
+              <a:solidFill>
+                <a:srgbClr val="3C78D8"/>
+              </a:solidFill>
+              <a:latin typeface="Calibri"/>
+              <a:ea typeface="Calibri"/>
+              <a:cs typeface="Calibri"/>
+              <a:sym typeface="Calibri"/>
+            </a:endParaRPr>
+          </a:p>
+          <a:p>
+            <a:pPr marL="171450" lvl="0" indent="-133350" algn="l" rtl="0">
+              <a:spcBef>
+                <a:spcPts val="0"/>
+              </a:spcBef>
+              <a:spcAft>
+                <a:spcPts val="0"/>
+              </a:spcAft>
+              <a:buClr>
+                <a:srgbClr val="3C78D8"/>
+              </a:buClr>
+              <a:buSzPts val="1200"/>
+              <a:buFont typeface="Calibri"/>
+              <a:buChar char="●"/>
+            </a:pPr>
+            <a:r>
+              <a:rPr lang="en" sz="1200">
+                <a:solidFill>
+                  <a:srgbClr val="3C78D8"/>
+                </a:solidFill>
+                <a:latin typeface="Calibri"/>
+                <a:ea typeface="Calibri"/>
+                <a:cs typeface="Calibri"/>
+                <a:sym typeface="Calibri"/>
+              </a:rPr>
+              <a:t>OpenAI o1-preview - 300b</a:t>
+            </a:r>
+            <a:endParaRPr sz="1200">
+              <a:solidFill>
+                <a:srgbClr val="3C78D8"/>
+              </a:solidFill>
+              <a:latin typeface="Calibri"/>
+              <a:ea typeface="Calibri"/>
+              <a:cs typeface="Calibri"/>
+              <a:sym typeface="Calibri"/>
+            </a:endParaRPr>
+          </a:p>
+          <a:p>
+            <a:pPr marL="171450" lvl="0" indent="-133350" algn="l" rtl="0">
+              <a:spcBef>
+                <a:spcPts val="0"/>
+              </a:spcBef>
+              <a:spcAft>
+                <a:spcPts val="0"/>
+              </a:spcAft>
+              <a:buClr>
+                <a:schemeClr val="dk1"/>
+              </a:buClr>
+              <a:buSzPts val="1200"/>
+              <a:buFont typeface="Calibri"/>
+              <a:buChar char="●"/>
+            </a:pPr>
+            <a:r>
+              <a:rPr lang="en" sz="1200">
+                <a:solidFill>
                   <a:schemeClr val="dk1"/>
                 </a:solidFill>
                 <a:latin typeface="Calibri"/>
@@ -20134,7 +20393,7 @@
                 <a:cs typeface="Calibri"/>
                 <a:sym typeface="Calibri"/>
               </a:rPr>
-              <a:t>GPT-2 - 1.5b </a:t>
+              <a:t>Gemini 1.5 Pro - over 200b+</a:t>
             </a:r>
             <a:endParaRPr sz="1200">
               <a:solidFill>
@@ -20171,7 +20430,7 @@
                 <a:cs typeface="Calibri"/>
                 <a:sym typeface="Calibri"/>
               </a:rPr>
-              <a:t>GPT-3 - 175b</a:t>
+              <a:t>Claude 3.5 Sonnet - 180b</a:t>
             </a:r>
             <a:endParaRPr sz="1200">
               <a:solidFill>
@@ -20208,7 +20467,7 @@
                 <a:cs typeface="Calibri"/>
                 <a:sym typeface="Calibri"/>
               </a:rPr>
-              <a:t>GPT-4 - 1,760b</a:t>
+              <a:t>Llama3 - 405b</a:t>
             </a:r>
             <a:endParaRPr sz="1200">
               <a:solidFill>
@@ -20229,7 +20488,7 @@
                 <a:spcPts val="0"/>
               </a:spcAft>
               <a:buClr>
-                <a:schemeClr val="dk1"/>
+                <a:srgbClr val="6AA84F"/>
               </a:buClr>
               <a:buSzPts val="1200"/>
               <a:buFont typeface="Calibri"/>
@@ -20238,18 +20497,18 @@
             <a:r>
               <a:rPr lang="en" sz="1200">
                 <a:solidFill>
-                  <a:schemeClr val="dk1"/>
-                </a:solidFill>
-                <a:latin typeface="Calibri"/>
-                <a:ea typeface="Calibri"/>
-                <a:cs typeface="Calibri"/>
-                <a:sym typeface="Calibri"/>
-              </a:rPr>
-              <a:t>GPT-4o - 200b+</a:t>
+                  <a:srgbClr val="6AA84F"/>
+                </a:solidFill>
+                <a:latin typeface="Calibri"/>
+                <a:ea typeface="Calibri"/>
+                <a:cs typeface="Calibri"/>
+                <a:sym typeface="Calibri"/>
+              </a:rPr>
+              <a:t>Qwen1.5-110B</a:t>
             </a:r>
             <a:endParaRPr sz="1200">
               <a:solidFill>
-                <a:schemeClr val="dk1"/>
+                <a:srgbClr val="6AA84F"/>
               </a:solidFill>
               <a:latin typeface="Calibri"/>
               <a:ea typeface="Calibri"/>
@@ -20266,7 +20525,7 @@
                 <a:spcPts val="0"/>
               </a:spcAft>
               <a:buClr>
-                <a:schemeClr val="dk1"/>
+                <a:srgbClr val="6AA84F"/>
               </a:buClr>
               <a:buSzPts val="1200"/>
               <a:buFont typeface="Calibri"/>
@@ -20275,18 +20534,18 @@
             <a:r>
               <a:rPr lang="en" sz="1200">
                 <a:solidFill>
-                  <a:schemeClr val="dk1"/>
-                </a:solidFill>
-                <a:latin typeface="Calibri"/>
-                <a:ea typeface="Calibri"/>
-                <a:cs typeface="Calibri"/>
-                <a:sym typeface="Calibri"/>
-              </a:rPr>
-              <a:t>OpenAI o1-mini    - 100b</a:t>
+                  <a:srgbClr val="6AA84F"/>
+                </a:solidFill>
+                <a:latin typeface="Calibri"/>
+                <a:ea typeface="Calibri"/>
+                <a:cs typeface="Calibri"/>
+                <a:sym typeface="Calibri"/>
+              </a:rPr>
+              <a:t>Qwen2-72B</a:t>
             </a:r>
             <a:endParaRPr sz="1200">
               <a:solidFill>
-                <a:schemeClr val="dk1"/>
+                <a:srgbClr val="6AA84F"/>
               </a:solidFill>
               <a:latin typeface="Calibri"/>
               <a:ea typeface="Calibri"/>
@@ -20303,7 +20562,7 @@
                 <a:spcPts val="0"/>
               </a:spcAft>
               <a:buClr>
-                <a:schemeClr val="dk1"/>
+                <a:srgbClr val="6AA84F"/>
               </a:buClr>
               <a:buSzPts val="1200"/>
               <a:buFont typeface="Calibri"/>
@@ -20312,18 +20571,18 @@
             <a:r>
               <a:rPr lang="en" sz="1200">
                 <a:solidFill>
-                  <a:schemeClr val="dk1"/>
-                </a:solidFill>
-                <a:latin typeface="Calibri"/>
-                <a:ea typeface="Calibri"/>
-                <a:cs typeface="Calibri"/>
-                <a:sym typeface="Calibri"/>
-              </a:rPr>
-              <a:t>OpenAI o1-preview - 300b</a:t>
+                  <a:srgbClr val="6AA84F"/>
+                </a:solidFill>
+                <a:latin typeface="Calibri"/>
+                <a:ea typeface="Calibri"/>
+                <a:cs typeface="Calibri"/>
+                <a:sym typeface="Calibri"/>
+              </a:rPr>
+              <a:t>Minimax-01 - 456b</a:t>
             </a:r>
             <a:endParaRPr sz="1200">
               <a:solidFill>
-                <a:schemeClr val="dk1"/>
+                <a:srgbClr val="6AA84F"/>
               </a:solidFill>
               <a:latin typeface="Calibri"/>
               <a:ea typeface="Calibri"/>
@@ -20340,7 +20599,7 @@
                 <a:spcPts val="0"/>
               </a:spcAft>
               <a:buClr>
-                <a:schemeClr val="dk1"/>
+                <a:srgbClr val="6AA84F"/>
               </a:buClr>
               <a:buSzPts val="1200"/>
               <a:buFont typeface="Calibri"/>
@@ -20349,166 +20608,18 @@
             <a:r>
               <a:rPr lang="en" sz="1200">
                 <a:solidFill>
-                  <a:schemeClr val="dk1"/>
-                </a:solidFill>
-                <a:latin typeface="Calibri"/>
-                <a:ea typeface="Calibri"/>
-                <a:cs typeface="Calibri"/>
-                <a:sym typeface="Calibri"/>
-              </a:rPr>
-              <a:t>Gemini 1.5 Pro - over 200b+</a:t>
+                  <a:srgbClr val="6AA84F"/>
+                </a:solidFill>
+                <a:latin typeface="Calibri"/>
+                <a:ea typeface="Calibri"/>
+                <a:cs typeface="Calibri"/>
+                <a:sym typeface="Calibri"/>
+              </a:rPr>
+              <a:t>DeepSeek V3 - 671B</a:t>
             </a:r>
             <a:endParaRPr sz="1200">
               <a:solidFill>
-                <a:schemeClr val="dk1"/>
-              </a:solidFill>
-              <a:latin typeface="Calibri"/>
-              <a:ea typeface="Calibri"/>
-              <a:cs typeface="Calibri"/>
-              <a:sym typeface="Calibri"/>
-            </a:endParaRPr>
-          </a:p>
-          <a:p>
-            <a:pPr marL="171450" lvl="0" indent="-133350" algn="l" rtl="0">
-              <a:spcBef>
-                <a:spcPts val="0"/>
-              </a:spcBef>
-              <a:spcAft>
-                <a:spcPts val="0"/>
-              </a:spcAft>
-              <a:buClr>
-                <a:schemeClr val="dk1"/>
-              </a:buClr>
-              <a:buSzPts val="1200"/>
-              <a:buFont typeface="Calibri"/>
-              <a:buChar char="●"/>
-            </a:pPr>
-            <a:r>
-              <a:rPr lang="en" sz="1200">
-                <a:solidFill>
-                  <a:schemeClr val="dk1"/>
-                </a:solidFill>
-                <a:latin typeface="Calibri"/>
-                <a:ea typeface="Calibri"/>
-                <a:cs typeface="Calibri"/>
-                <a:sym typeface="Calibri"/>
-              </a:rPr>
-              <a:t>Claude 3.5 Sonnet - 180b</a:t>
-            </a:r>
-            <a:endParaRPr sz="1200">
-              <a:solidFill>
-                <a:schemeClr val="dk1"/>
-              </a:solidFill>
-              <a:latin typeface="Calibri"/>
-              <a:ea typeface="Calibri"/>
-              <a:cs typeface="Calibri"/>
-              <a:sym typeface="Calibri"/>
-            </a:endParaRPr>
-          </a:p>
-          <a:p>
-            <a:pPr marL="171450" lvl="0" indent="-133350" algn="l" rtl="0">
-              <a:spcBef>
-                <a:spcPts val="0"/>
-              </a:spcBef>
-              <a:spcAft>
-                <a:spcPts val="0"/>
-              </a:spcAft>
-              <a:buClr>
-                <a:schemeClr val="dk1"/>
-              </a:buClr>
-              <a:buSzPts val="1200"/>
-              <a:buFont typeface="Calibri"/>
-              <a:buChar char="●"/>
-            </a:pPr>
-            <a:r>
-              <a:rPr lang="en" sz="1200">
-                <a:solidFill>
-                  <a:schemeClr val="dk1"/>
-                </a:solidFill>
-                <a:latin typeface="Calibri"/>
-                <a:ea typeface="Calibri"/>
-                <a:cs typeface="Calibri"/>
-                <a:sym typeface="Calibri"/>
-              </a:rPr>
-              <a:t>Llama3 -  405b</a:t>
-            </a:r>
-            <a:endParaRPr sz="1200">
-              <a:solidFill>
-                <a:schemeClr val="dk1"/>
-              </a:solidFill>
-              <a:latin typeface="Calibri"/>
-              <a:ea typeface="Calibri"/>
-              <a:cs typeface="Calibri"/>
-              <a:sym typeface="Calibri"/>
-            </a:endParaRPr>
-          </a:p>
-          <a:p>
-            <a:pPr marL="171450" lvl="0" indent="-133350" algn="l" rtl="0">
-              <a:spcBef>
-                <a:spcPts val="0"/>
-              </a:spcBef>
-              <a:spcAft>
-                <a:spcPts val="0"/>
-              </a:spcAft>
-              <a:buClr>
-                <a:schemeClr val="dk1"/>
-              </a:buClr>
-              <a:buSzPts val="1200"/>
-              <a:buFont typeface="Calibri"/>
-              <a:buChar char="●"/>
-            </a:pPr>
-            <a:r>
-              <a:rPr lang="en" sz="1200">
-                <a:solidFill>
-                  <a:schemeClr val="dk1"/>
-                </a:solidFill>
-                <a:latin typeface="Calibri"/>
-                <a:ea typeface="Calibri"/>
-                <a:cs typeface="Calibri"/>
-                <a:sym typeface="Calibri"/>
-              </a:rPr>
-              <a:t>Minimax-01 - 456b</a:t>
-            </a:r>
-            <a:endParaRPr sz="1200">
-              <a:solidFill>
-                <a:schemeClr val="dk1"/>
-              </a:solidFill>
-              <a:latin typeface="Calibri"/>
-              <a:ea typeface="Calibri"/>
-              <a:cs typeface="Calibri"/>
-              <a:sym typeface="Calibri"/>
-            </a:endParaRPr>
-          </a:p>
-          <a:p>
-            <a:pPr marL="171450" lvl="0" indent="-133350" algn="l" rtl="0">
-              <a:spcBef>
-                <a:spcPts val="0"/>
-              </a:spcBef>
-              <a:spcAft>
-                <a:spcPts val="0"/>
-              </a:spcAft>
-              <a:buClr>
-                <a:schemeClr val="dk1"/>
-              </a:buClr>
-              <a:buSzPts val="1200"/>
-              <a:buFont typeface="Calibri"/>
-              <a:buChar char="●"/>
-            </a:pPr>
-            <a:r>
-              <a:rPr lang="en" sz="1200">
-                <a:solidFill>
-                  <a:schemeClr val="dk1"/>
-                </a:solidFill>
-                <a:latin typeface="Calibri"/>
-                <a:ea typeface="Calibri"/>
-                <a:cs typeface="Calibri"/>
-                <a:sym typeface="Calibri"/>
-              </a:rPr>
-              <a:t>DeepSeek V3 - 671B</a:t>
-            </a:r>
-            <a:endParaRPr sz="1200">
-              <a:solidFill>
-                <a:schemeClr val="dk1"/>
+                <a:srgbClr val="6AA84F"/>
               </a:solidFill>
               <a:latin typeface="Calibri"/>
               <a:ea typeface="Calibri"/>
@@ -21364,7 +21475,31 @@
                 <a:cs typeface="Calibri"/>
                 <a:sym typeface="Calibri"/>
               </a:rPr>
-              <a:t>Microsoft open-sourced its Phi-4  14b LLM on Hugging Face under the MIT license</a:t>
+              <a:t>Microsoft open-sourced its </a:t>
+            </a:r>
+            <a:r>
+              <a:rPr lang="en" sz="1200" b="1">
+                <a:solidFill>
+                  <a:srgbClr val="FF0000"/>
+                </a:solidFill>
+                <a:latin typeface="Calibri"/>
+                <a:ea typeface="Calibri"/>
+                <a:cs typeface="Calibri"/>
+                <a:sym typeface="Calibri"/>
+              </a:rPr>
+              <a:t>Phi-4  14b</a:t>
+            </a:r>
+            <a:r>
+              <a:rPr lang="en" sz="1200">
+                <a:solidFill>
+                  <a:srgbClr val="1B1C1D"/>
+                </a:solidFill>
+                <a:latin typeface="Calibri"/>
+                <a:ea typeface="Calibri"/>
+                <a:cs typeface="Calibri"/>
+                <a:sym typeface="Calibri"/>
+              </a:rPr>
+              <a:t> LLM on Hugging Face under the MIT license</a:t>
             </a:r>
             <a:endParaRPr sz="1200">
               <a:solidFill>
@@ -23271,7 +23406,31 @@
                 <a:cs typeface="Calibri"/>
                 <a:sym typeface="Calibri"/>
               </a:rPr>
-              <a:t>They are known for project "AI Scientist"</a:t>
+              <a:t>They are known for project "</a:t>
+            </a:r>
+            <a:r>
+              <a:rPr lang="en" sz="1200" b="1">
+                <a:solidFill>
+                  <a:srgbClr val="FF0000"/>
+                </a:solidFill>
+                <a:latin typeface="Calibri"/>
+                <a:ea typeface="Calibri"/>
+                <a:cs typeface="Calibri"/>
+                <a:sym typeface="Calibri"/>
+              </a:rPr>
+              <a:t>AI Scientist</a:t>
+            </a:r>
+            <a:r>
+              <a:rPr lang="en" sz="1200">
+                <a:solidFill>
+                  <a:schemeClr val="dk1"/>
+                </a:solidFill>
+                <a:latin typeface="Calibri"/>
+                <a:ea typeface="Calibri"/>
+                <a:cs typeface="Calibri"/>
+                <a:sym typeface="Calibri"/>
+              </a:rPr>
+              <a:t>"</a:t>
             </a:r>
             <a:endParaRPr sz="1200">
               <a:solidFill>
@@ -25578,6 +25737,129 @@
           </a:ln>
         </p:spPr>
       </p:pic>
+      <p:sp>
+        <p:nvSpPr>
+          <p:cNvPr id="143" name="Google Shape;143;p22"/>
+          <p:cNvSpPr txBox="1"/>
+          <p:nvPr/>
+        </p:nvSpPr>
+        <p:spPr>
+          <a:xfrm>
+            <a:off x="4773525" y="132650"/>
+            <a:ext cx="4218300" cy="711000"/>
+          </a:xfrm>
+          <a:prstGeom prst="rect">
+            <a:avLst/>
+          </a:prstGeom>
+          <a:solidFill>
+            <a:srgbClr val="FFF2CC"/>
+          </a:solidFill>
+          <a:ln w="9525" cap="flat" cmpd="sng">
+            <a:solidFill>
+              <a:srgbClr val="FF0000"/>
+            </a:solidFill>
+            <a:prstDash val="solid"/>
+            <a:round/>
+            <a:headEnd type="none" w="sm" len="sm"/>
+            <a:tailEnd type="none" w="sm" len="sm"/>
+          </a:ln>
+        </p:spPr>
+        <p:txBody>
+          <a:bodyPr spcFirstLastPara="1" wrap="square" lIns="9125" tIns="9125" rIns="9125" bIns="9125" anchor="t" anchorCtr="0">
+            <a:spAutoFit/>
+          </a:bodyPr>
+          <a:lstStyle/>
+          <a:p>
+            <a:pPr marL="57150" lvl="0" indent="0" algn="l" rtl="0">
+              <a:spcBef>
+                <a:spcPts val="0"/>
+              </a:spcBef>
+              <a:spcAft>
+                <a:spcPts val="0"/>
+              </a:spcAft>
+              <a:buNone/>
+            </a:pPr>
+            <a:r>
+              <a:rPr lang="en" sz="1200" b="1">
+                <a:solidFill>
+                  <a:srgbClr val="FF0000"/>
+                </a:solidFill>
+                <a:latin typeface="Calibri"/>
+                <a:ea typeface="Calibri"/>
+                <a:cs typeface="Calibri"/>
+                <a:sym typeface="Calibri"/>
+              </a:rPr>
+              <a:t>Google Workspace now includes AI features</a:t>
+            </a:r>
+            <a:r>
+              <a:rPr lang="en" sz="1200">
+                <a:solidFill>
+                  <a:srgbClr val="1B1C1D"/>
+                </a:solidFill>
+                <a:latin typeface="Calibri"/>
+                <a:ea typeface="Calibri"/>
+                <a:cs typeface="Calibri"/>
+                <a:sym typeface="Calibri"/>
+              </a:rPr>
+              <a:t> inside Gmail, Docs, Sheets, Meet, and the rest of the Workspace suite. The monthly price increased by ~ $2 (for example from $12 to $14 per user)</a:t>
+            </a:r>
+            <a:endParaRPr sz="1200">
+              <a:solidFill>
+                <a:srgbClr val="1B1C1D"/>
+              </a:solidFill>
+              <a:latin typeface="Calibri"/>
+              <a:ea typeface="Calibri"/>
+              <a:cs typeface="Calibri"/>
+              <a:sym typeface="Calibri"/>
+            </a:endParaRPr>
+          </a:p>
+          <a:p>
+            <a:pPr marL="57150" lvl="0" indent="0" algn="l" rtl="0">
+              <a:spcBef>
+                <a:spcPts val="0"/>
+              </a:spcBef>
+              <a:spcAft>
+                <a:spcPts val="0"/>
+              </a:spcAft>
+              <a:buNone/>
+            </a:pPr>
+            <a:r>
+              <a:rPr lang="en" sz="900" u="sng">
+                <a:solidFill>
+                  <a:schemeClr val="hlink"/>
+                </a:solidFill>
+                <a:latin typeface="Calibri"/>
+                <a:ea typeface="Calibri"/>
+                <a:cs typeface="Calibri"/>
+                <a:sym typeface="Calibri"/>
+                <a:hlinkClick r:id="rId10"/>
+              </a:rPr>
+              <a:t>https://www.theverge.com/2025/1/15/24343794/google-workspace-ai-features-free</a:t>
+            </a:r>
+            <a:r>
+              <a:rPr lang="en" sz="900">
+                <a:solidFill>
+                  <a:srgbClr val="1B1C1D"/>
+                </a:solidFill>
+                <a:latin typeface="Calibri"/>
+                <a:ea typeface="Calibri"/>
+                <a:cs typeface="Calibri"/>
+                <a:sym typeface="Calibri"/>
+              </a:rPr>
+              <a:t> </a:t>
+            </a:r>
+            <a:endParaRPr sz="900">
+              <a:solidFill>
+                <a:srgbClr val="1B1C1D"/>
+              </a:solidFill>
+              <a:latin typeface="Calibri"/>
+              <a:ea typeface="Calibri"/>
+              <a:cs typeface="Calibri"/>
+              <a:sym typeface="Calibri"/>
+            </a:endParaRPr>
+          </a:p>
+        </p:txBody>
+      </p:sp>
     </p:spTree>
   </p:cSld>
   <p:clrMapOvr>
@@ -25591,7 +25873,7 @@
   <p:cSld>
     <p:spTree>
       <p:nvGrpSpPr>
-        <p:cNvPr id="1" name="Shape 146"/>
+        <p:cNvPr id="1" name="Shape 147"/>
         <p:cNvGrpSpPr/>
         <p:nvPr/>
       </p:nvGrpSpPr>
@@ -25605,7 +25887,7 @@
       </p:grpSpPr>
       <p:sp>
         <p:nvSpPr>
-          <p:cNvPr id="147" name="Google Shape;147;p23"/>
+          <p:cNvPr id="148" name="Google Shape;148;p23"/>
           <p:cNvSpPr txBox="1"/>
           <p:nvPr/>
         </p:nvSpPr>
@@ -25668,7 +25950,7 @@
       </p:sp>
       <p:sp>
         <p:nvSpPr>
-          <p:cNvPr id="148" name="Google Shape;148;p23"/>
+          <p:cNvPr id="149" name="Google Shape;149;p23"/>
           <p:cNvSpPr txBox="1"/>
           <p:nvPr/>
         </p:nvSpPr>
@@ -26271,7 +26553,7 @@
       </p:sp>
       <p:pic>
         <p:nvPicPr>
-          <p:cNvPr id="149" name="Google Shape;149;p23"/>
+          <p:cNvPr id="150" name="Google Shape;150;p23"/>
           <p:cNvPicPr preferRelativeResize="0"/>
           <p:nvPr/>
         </p:nvPicPr>
@@ -26310,7 +26592,7 @@
       </p:pic>
       <p:pic>
         <p:nvPicPr>
-          <p:cNvPr id="150" name="Google Shape;150;p23"/>
+          <p:cNvPr id="151" name="Google Shape;151;p23"/>
           <p:cNvPicPr preferRelativeResize="0"/>
           <p:nvPr/>
         </p:nvPicPr>
@@ -26344,7 +26626,7 @@
       </p:pic>
       <p:sp>
         <p:nvSpPr>
-          <p:cNvPr id="151" name="Google Shape;151;p23"/>
+          <p:cNvPr id="152" name="Google Shape;152;p23"/>
           <p:cNvSpPr/>
           <p:nvPr/>
         </p:nvSpPr>
